--- a/docker003.pptx
+++ b/docker003.pptx
@@ -211,7 +211,7 @@
           <a:p>
             <a:fld id="{63F136E3-80C6-A842-B275-74FC7A4265FC}" type="datetimeFigureOut">
               <a:rPr kumimoji="1" lang="zh-CN" altLang="en-US" smtClean="0"/>
-              <a:t>2019/5/21</a:t>
+              <a:t>2019/5/30</a:t>
             </a:fld>
             <a:endParaRPr kumimoji="1" lang="zh-CN" altLang="en-US"/>
           </a:p>
@@ -1440,19 +1440,7 @@
               <a:rPr lang="zh-CN" altLang="en-US" dirty="0" smtClean="0">
                 <a:effectLst/>
               </a:rPr>
-              <a:t>模块，最后才拷贝其余的源代码。这样</a:t>
-            </a:r>
-            <a:r>
-              <a:rPr lang="zh-CN" altLang="en-US" smtClean="0">
-                <a:effectLst/>
-              </a:rPr>
-              <a:t>的话，只有源代码</a:t>
-            </a:r>
-            <a:r>
-              <a:rPr lang="zh-CN" altLang="en-US" dirty="0" smtClean="0">
-                <a:effectLst/>
-              </a:rPr>
-              <a:t>变化，也不需要重新安装 </a:t>
+              <a:t>模块，最后才拷贝其余的源代码。这样的话，只有源代码变化，也不需要重新安装 </a:t>
             </a:r>
             <a:r>
               <a:rPr lang="en-US" altLang="zh-CN" dirty="0" smtClean="0">
@@ -1925,6 +1913,9 @@
             </a:r>
           </a:p>
           <a:p>
+            <a:endParaRPr kumimoji="1" lang="en-US" altLang="zh-CN" dirty="0" smtClean="0"/>
+          </a:p>
+          <a:p>
             <a:endParaRPr kumimoji="1" lang="zh-CN" altLang="en-US" dirty="0"/>
           </a:p>
         </p:txBody>
@@ -3221,6 +3212,14 @@
               </a:rPr>
               <a:t>/ </a:t>
             </a:r>
+            <a:endParaRPr lang="en-US" altLang="zh-CN" sz="1200" kern="1200" dirty="0" smtClean="0">
+              <a:solidFill>
+                <a:schemeClr val="tx1"/>
+              </a:solidFill>
+              <a:latin typeface="+mn-lt"/>
+              <a:ea typeface="+mn-ea"/>
+              <a:cs typeface="+mn-cs"/>
+            </a:endParaRPr>
           </a:p>
           <a:p>
             <a:r>
@@ -3232,10 +3231,12 @@
                 <a:ea typeface="+mn-ea"/>
                 <a:cs typeface="+mn-cs"/>
               </a:rPr>
-              <a:t>tar -</a:t>
-            </a:r>
-            <a:r>
-              <a:rPr lang="en-US" altLang="zh-CN" sz="1200" kern="1200" dirty="0" err="1" smtClean="0">
+              <a:t>cd ubuntu_xenial_1604/</a:t>
+            </a:r>
+          </a:p>
+          <a:p>
+            <a:r>
+              <a:rPr lang="mr-IN" altLang="zh-CN" sz="1200" kern="1200" dirty="0" err="1" smtClean="0">
                 <a:solidFill>
                   <a:schemeClr val="tx1"/>
                 </a:solidFill>
@@ -3243,10 +3244,10 @@
                 <a:ea typeface="+mn-ea"/>
                 <a:cs typeface="+mn-cs"/>
               </a:rPr>
-              <a:t>cf</a:t>
-            </a:r>
-            <a:r>
-              <a:rPr lang="en-US" altLang="zh-CN" sz="1200" kern="1200" dirty="0" smtClean="0">
+              <a:t>tar</a:t>
+            </a:r>
+            <a:r>
+              <a:rPr lang="mr-IN" altLang="zh-CN" sz="1200" kern="1200" dirty="0" smtClean="0">
                 <a:solidFill>
                   <a:schemeClr val="tx1"/>
                 </a:solidFill>
@@ -3254,10 +3255,10 @@
                 <a:ea typeface="+mn-ea"/>
                 <a:cs typeface="+mn-cs"/>
               </a:rPr>
-              <a:t> </a:t>
-            </a:r>
-            <a:r>
-              <a:rPr lang="en-US" altLang="zh-CN" sz="1200" kern="1200" dirty="0" err="1" smtClean="0">
+              <a:t> -</a:t>
+            </a:r>
+            <a:r>
+              <a:rPr lang="mr-IN" altLang="zh-CN" sz="1200" kern="1200" dirty="0" err="1" smtClean="0">
                 <a:solidFill>
                   <a:schemeClr val="tx1"/>
                 </a:solidFill>
@@ -3265,10 +3266,10 @@
                 <a:ea typeface="+mn-ea"/>
                 <a:cs typeface="+mn-cs"/>
               </a:rPr>
-              <a:t>xenial.tar</a:t>
-            </a:r>
-            <a:r>
-              <a:rPr lang="en-US" altLang="zh-CN" sz="1200" kern="1200" dirty="0" smtClean="0">
+              <a:t>cf</a:t>
+            </a:r>
+            <a:r>
+              <a:rPr lang="mr-IN" altLang="zh-CN" sz="1200" kern="1200" dirty="0" smtClean="0">
                 <a:solidFill>
                   <a:schemeClr val="tx1"/>
                 </a:solidFill>
@@ -3276,12 +3277,10 @@
                 <a:ea typeface="+mn-ea"/>
                 <a:cs typeface="+mn-cs"/>
               </a:rPr>
-              <a:t> ubuntu_xenial_1604 </a:t>
-            </a:r>
-          </a:p>
-          <a:p>
-            <a:r>
-              <a:rPr lang="en-US" altLang="zh-CN" sz="1200" kern="1200" dirty="0" err="1" smtClean="0">
+              <a:t> </a:t>
+            </a:r>
+            <a:r>
+              <a:rPr lang="mr-IN" altLang="zh-CN" sz="1200" kern="1200" dirty="0" err="1" smtClean="0">
                 <a:solidFill>
                   <a:schemeClr val="tx1"/>
                 </a:solidFill>
@@ -3289,10 +3288,10 @@
                 <a:ea typeface="+mn-ea"/>
                 <a:cs typeface="+mn-cs"/>
               </a:rPr>
-              <a:t>docker</a:t>
-            </a:r>
-            <a:r>
-              <a:rPr lang="en-US" altLang="zh-CN" sz="1200" kern="1200" dirty="0" smtClean="0">
+              <a:t>xenial.tar</a:t>
+            </a:r>
+            <a:r>
+              <a:rPr lang="mr-IN" altLang="zh-CN" sz="1200" kern="1200" dirty="0" smtClean="0">
                 <a:solidFill>
                   <a:schemeClr val="tx1"/>
                 </a:solidFill>
@@ -3300,10 +3299,20 @@
                 <a:ea typeface="+mn-ea"/>
                 <a:cs typeface="+mn-cs"/>
               </a:rPr>
-              <a:t> import</a:t>
-            </a:r>
-            <a:r>
-              <a:rPr lang="zh-CN" altLang="en-US" sz="1200" kern="1200" baseline="0" dirty="0" smtClean="0">
+              <a:t> *</a:t>
+            </a:r>
+            <a:endParaRPr lang="en-US" altLang="zh-CN" sz="1200" kern="1200" dirty="0" smtClean="0">
+              <a:solidFill>
+                <a:schemeClr val="tx1"/>
+              </a:solidFill>
+              <a:latin typeface="+mn-lt"/>
+              <a:ea typeface="+mn-ea"/>
+              <a:cs typeface="+mn-cs"/>
+            </a:endParaRPr>
+          </a:p>
+          <a:p>
+            <a:r>
+              <a:rPr lang="en-US" altLang="zh-CN" sz="1200" kern="1200" dirty="0" err="1" smtClean="0">
                 <a:solidFill>
                   <a:schemeClr val="tx1"/>
                 </a:solidFill>
@@ -3311,10 +3320,10 @@
                 <a:ea typeface="+mn-ea"/>
                 <a:cs typeface="+mn-cs"/>
               </a:rPr>
-              <a:t> </a:t>
-            </a:r>
-            <a:r>
-              <a:rPr lang="en-US" altLang="zh-CN" sz="1200" kern="1200" dirty="0" err="1" smtClean="0">
+              <a:t>docker</a:t>
+            </a:r>
+            <a:r>
+              <a:rPr lang="en-US" altLang="zh-CN" sz="1200" kern="1200" dirty="0" smtClean="0">
                 <a:solidFill>
                   <a:schemeClr val="tx1"/>
                 </a:solidFill>
@@ -3322,7 +3331,62 @@
                 <a:ea typeface="+mn-ea"/>
                 <a:cs typeface="+mn-cs"/>
               </a:rPr>
+              <a:t> </a:t>
+            </a:r>
+            <a:r>
+              <a:rPr lang="en-US" altLang="zh-CN" sz="1200" kern="1200" dirty="0" smtClean="0">
+                <a:solidFill>
+                  <a:schemeClr val="tx1"/>
+                </a:solidFill>
+                <a:latin typeface="+mn-lt"/>
+                <a:ea typeface="+mn-ea"/>
+                <a:cs typeface="+mn-cs"/>
+              </a:rPr>
+              <a:t>import</a:t>
+            </a:r>
+            <a:r>
+              <a:rPr lang="zh-CN" altLang="en-US" sz="1200" kern="1200" baseline="0" dirty="0" smtClean="0">
+                <a:solidFill>
+                  <a:schemeClr val="tx1"/>
+                </a:solidFill>
+                <a:latin typeface="+mn-lt"/>
+                <a:ea typeface="+mn-ea"/>
+                <a:cs typeface="+mn-cs"/>
+              </a:rPr>
+              <a:t> </a:t>
+            </a:r>
+            <a:r>
+              <a:rPr lang="en-US" altLang="zh-CN" sz="1200" kern="1200" dirty="0" err="1" smtClean="0">
+                <a:solidFill>
+                  <a:schemeClr val="tx1"/>
+                </a:solidFill>
+                <a:latin typeface="+mn-lt"/>
+                <a:ea typeface="+mn-ea"/>
+                <a:cs typeface="+mn-cs"/>
+              </a:rPr>
               <a:t>xenial.tar</a:t>
+            </a:r>
+            <a:r>
+              <a:rPr lang="en-US" altLang="zh-CN" sz="1200" kern="1200" dirty="0" smtClean="0">
+                <a:solidFill>
+                  <a:schemeClr val="tx1"/>
+                </a:solidFill>
+                <a:latin typeface="+mn-lt"/>
+                <a:ea typeface="+mn-ea"/>
+                <a:cs typeface="+mn-cs"/>
+              </a:rPr>
+              <a:t> </a:t>
+            </a:r>
+            <a:r>
+              <a:rPr lang="en-US" altLang="zh-CN" sz="1200" kern="1200" dirty="0" err="1" smtClean="0">
+                <a:solidFill>
+                  <a:schemeClr val="tx1"/>
+                </a:solidFill>
+                <a:latin typeface="+mn-lt"/>
+                <a:ea typeface="+mn-ea"/>
+                <a:cs typeface="+mn-cs"/>
+              </a:rPr>
+              <a:t>xenial</a:t>
             </a:r>
             <a:endParaRPr lang="en-US" altLang="zh-CN" sz="1200" kern="1200" dirty="0" smtClean="0">
               <a:solidFill>
@@ -5278,315 +5342,6 @@
               <a:effectLst/>
             </a:endParaRPr>
           </a:p>
-          <a:p>
-            <a:r>
-              <a:rPr lang="en-US" altLang="zh-CN" sz="1200" kern="1200" dirty="0" smtClean="0">
-                <a:solidFill>
-                  <a:schemeClr val="tx1"/>
-                </a:solidFill>
-                <a:latin typeface="+mn-lt"/>
-                <a:ea typeface="+mn-ea"/>
-                <a:cs typeface="+mn-cs"/>
-              </a:rPr>
-              <a:t>FROM ubuntu:16.04 </a:t>
-            </a:r>
-          </a:p>
-          <a:p>
-            <a:endParaRPr lang="en-US" altLang="zh-CN" sz="1200" kern="1200" dirty="0" smtClean="0">
-              <a:solidFill>
-                <a:schemeClr val="tx1"/>
-              </a:solidFill>
-              <a:latin typeface="+mn-lt"/>
-              <a:ea typeface="+mn-ea"/>
-              <a:cs typeface="+mn-cs"/>
-            </a:endParaRPr>
-          </a:p>
-          <a:p>
-            <a:r>
-              <a:rPr lang="en-US" altLang="zh-CN" sz="1200" kern="1200" dirty="0" smtClean="0">
-                <a:solidFill>
-                  <a:schemeClr val="tx1"/>
-                </a:solidFill>
-                <a:latin typeface="+mn-lt"/>
-                <a:ea typeface="+mn-ea"/>
-                <a:cs typeface="+mn-cs"/>
-              </a:rPr>
-              <a:t>RUN apt-get update \ </a:t>
-            </a:r>
-          </a:p>
-          <a:p>
-            <a:r>
-              <a:rPr lang="en-US" altLang="zh-CN" sz="1200" kern="1200" dirty="0" smtClean="0">
-                <a:solidFill>
-                  <a:schemeClr val="tx1"/>
-                </a:solidFill>
-                <a:latin typeface="+mn-lt"/>
-                <a:ea typeface="+mn-ea"/>
-                <a:cs typeface="+mn-cs"/>
-              </a:rPr>
-              <a:t>&amp;&amp; apt-get install -y </a:t>
-            </a:r>
-            <a:r>
-              <a:rPr lang="en-US" altLang="zh-CN" sz="1200" kern="1200" dirty="0" err="1" smtClean="0">
-                <a:solidFill>
-                  <a:schemeClr val="tx1"/>
-                </a:solidFill>
-                <a:latin typeface="+mn-lt"/>
-                <a:ea typeface="+mn-ea"/>
-                <a:cs typeface="+mn-cs"/>
-              </a:rPr>
-              <a:t>nodejs</a:t>
-            </a:r>
-            <a:r>
-              <a:rPr lang="en-US" altLang="zh-CN" sz="1200" kern="1200" dirty="0" smtClean="0">
-                <a:solidFill>
-                  <a:schemeClr val="tx1"/>
-                </a:solidFill>
-                <a:latin typeface="+mn-lt"/>
-                <a:ea typeface="+mn-ea"/>
-                <a:cs typeface="+mn-cs"/>
-              </a:rPr>
-              <a:t> </a:t>
-            </a:r>
-            <a:r>
-              <a:rPr lang="en-US" altLang="zh-CN" sz="1200" kern="1200" dirty="0" err="1" smtClean="0">
-                <a:solidFill>
-                  <a:schemeClr val="tx1"/>
-                </a:solidFill>
-                <a:latin typeface="+mn-lt"/>
-                <a:ea typeface="+mn-ea"/>
-                <a:cs typeface="+mn-cs"/>
-              </a:rPr>
-              <a:t>npm</a:t>
-            </a:r>
-            <a:r>
-              <a:rPr lang="en-US" altLang="zh-CN" sz="1200" kern="1200" dirty="0" smtClean="0">
-                <a:solidFill>
-                  <a:schemeClr val="tx1"/>
-                </a:solidFill>
-                <a:latin typeface="+mn-lt"/>
-                <a:ea typeface="+mn-ea"/>
-                <a:cs typeface="+mn-cs"/>
-              </a:rPr>
-              <a:t>\ </a:t>
-            </a:r>
-          </a:p>
-          <a:p>
-            <a:r>
-              <a:rPr lang="en-US" altLang="zh-CN" sz="1200" kern="1200" dirty="0" smtClean="0">
-                <a:solidFill>
-                  <a:schemeClr val="tx1"/>
-                </a:solidFill>
-                <a:latin typeface="+mn-lt"/>
-                <a:ea typeface="+mn-ea"/>
-                <a:cs typeface="+mn-cs"/>
-              </a:rPr>
-              <a:t>&amp;&amp; </a:t>
-            </a:r>
-            <a:r>
-              <a:rPr lang="en-US" altLang="zh-CN" sz="1200" kern="1200" dirty="0" err="1" smtClean="0">
-                <a:solidFill>
-                  <a:schemeClr val="tx1"/>
-                </a:solidFill>
-                <a:latin typeface="+mn-lt"/>
-                <a:ea typeface="+mn-ea"/>
-                <a:cs typeface="+mn-cs"/>
-              </a:rPr>
-              <a:t>rm</a:t>
-            </a:r>
-            <a:r>
-              <a:rPr lang="en-US" altLang="zh-CN" sz="1200" kern="1200" dirty="0" smtClean="0">
-                <a:solidFill>
-                  <a:schemeClr val="tx1"/>
-                </a:solidFill>
-                <a:latin typeface="+mn-lt"/>
-                <a:ea typeface="+mn-ea"/>
-                <a:cs typeface="+mn-cs"/>
-              </a:rPr>
-              <a:t> -</a:t>
-            </a:r>
-            <a:r>
-              <a:rPr lang="en-US" altLang="zh-CN" sz="1200" kern="1200" dirty="0" err="1" smtClean="0">
-                <a:solidFill>
-                  <a:schemeClr val="tx1"/>
-                </a:solidFill>
-                <a:latin typeface="+mn-lt"/>
-                <a:ea typeface="+mn-ea"/>
-                <a:cs typeface="+mn-cs"/>
-              </a:rPr>
-              <a:t>rf</a:t>
-            </a:r>
-            <a:r>
-              <a:rPr lang="en-US" altLang="zh-CN" sz="1200" kern="1200" dirty="0" smtClean="0">
-                <a:solidFill>
-                  <a:schemeClr val="tx1"/>
-                </a:solidFill>
-                <a:latin typeface="+mn-lt"/>
-                <a:ea typeface="+mn-ea"/>
-                <a:cs typeface="+mn-cs"/>
-              </a:rPr>
-              <a:t> /</a:t>
-            </a:r>
-            <a:r>
-              <a:rPr lang="en-US" altLang="zh-CN" sz="1200" kern="1200" dirty="0" err="1" smtClean="0">
-                <a:solidFill>
-                  <a:schemeClr val="tx1"/>
-                </a:solidFill>
-                <a:latin typeface="+mn-lt"/>
-                <a:ea typeface="+mn-ea"/>
-                <a:cs typeface="+mn-cs"/>
-              </a:rPr>
-              <a:t>var</a:t>
-            </a:r>
-            <a:r>
-              <a:rPr lang="en-US" altLang="zh-CN" sz="1200" kern="1200" dirty="0" smtClean="0">
-                <a:solidFill>
-                  <a:schemeClr val="tx1"/>
-                </a:solidFill>
-                <a:latin typeface="+mn-lt"/>
-                <a:ea typeface="+mn-ea"/>
-                <a:cs typeface="+mn-cs"/>
-              </a:rPr>
-              <a:t>/lib/apt/lists/* </a:t>
-            </a:r>
-          </a:p>
-          <a:p>
-            <a:endParaRPr lang="en-US" altLang="zh-CN" sz="1200" kern="1200" dirty="0" smtClean="0">
-              <a:solidFill>
-                <a:schemeClr val="tx1"/>
-              </a:solidFill>
-              <a:latin typeface="+mn-lt"/>
-              <a:ea typeface="+mn-ea"/>
-              <a:cs typeface="+mn-cs"/>
-            </a:endParaRPr>
-          </a:p>
-          <a:p>
-            <a:r>
-              <a:rPr lang="mr-IN" altLang="zh-CN" sz="1200" kern="1200" dirty="0" smtClean="0">
-                <a:solidFill>
-                  <a:schemeClr val="tx1"/>
-                </a:solidFill>
-                <a:latin typeface="+mn-lt"/>
-                <a:ea typeface="+mn-ea"/>
-                <a:cs typeface="+mn-cs"/>
-              </a:rPr>
-              <a:t>ADD . /</a:t>
-            </a:r>
-            <a:r>
-              <a:rPr lang="mr-IN" altLang="zh-CN" sz="1200" kern="1200" dirty="0" err="1" smtClean="0">
-                <a:solidFill>
-                  <a:schemeClr val="tx1"/>
-                </a:solidFill>
-                <a:latin typeface="+mn-lt"/>
-                <a:ea typeface="+mn-ea"/>
-                <a:cs typeface="+mn-cs"/>
-              </a:rPr>
-              <a:t>app</a:t>
-            </a:r>
-            <a:r>
-              <a:rPr lang="mr-IN" altLang="zh-CN" sz="1200" kern="1200" dirty="0" smtClean="0">
-                <a:solidFill>
-                  <a:schemeClr val="tx1"/>
-                </a:solidFill>
-                <a:latin typeface="+mn-lt"/>
-                <a:ea typeface="+mn-ea"/>
-                <a:cs typeface="+mn-cs"/>
-              </a:rPr>
-              <a:t> </a:t>
-            </a:r>
-          </a:p>
-          <a:p>
-            <a:r>
-              <a:rPr lang="en-US" altLang="zh-CN" sz="1200" kern="1200" dirty="0" smtClean="0">
-                <a:solidFill>
-                  <a:schemeClr val="tx1"/>
-                </a:solidFill>
-                <a:latin typeface="+mn-lt"/>
-                <a:ea typeface="+mn-ea"/>
-                <a:cs typeface="+mn-cs"/>
-              </a:rPr>
-              <a:t>RUN cd /app &amp;&amp; </a:t>
-            </a:r>
-            <a:r>
-              <a:rPr lang="en-US" altLang="zh-CN" sz="1200" kern="1200" dirty="0" err="1" smtClean="0">
-                <a:solidFill>
-                  <a:schemeClr val="tx1"/>
-                </a:solidFill>
-                <a:latin typeface="+mn-lt"/>
-                <a:ea typeface="+mn-ea"/>
-                <a:cs typeface="+mn-cs"/>
-              </a:rPr>
-              <a:t>npm</a:t>
-            </a:r>
-            <a:r>
-              <a:rPr lang="en-US" altLang="zh-CN" sz="1200" kern="1200" dirty="0" smtClean="0">
-                <a:solidFill>
-                  <a:schemeClr val="tx1"/>
-                </a:solidFill>
-                <a:latin typeface="+mn-lt"/>
-                <a:ea typeface="+mn-ea"/>
-                <a:cs typeface="+mn-cs"/>
-              </a:rPr>
-              <a:t> install </a:t>
-            </a:r>
-          </a:p>
-          <a:p>
-            <a:endParaRPr lang="en-US" altLang="zh-CN" sz="1200" kern="1200" dirty="0" smtClean="0">
-              <a:solidFill>
-                <a:schemeClr val="tx1"/>
-              </a:solidFill>
-              <a:latin typeface="+mn-lt"/>
-              <a:ea typeface="+mn-ea"/>
-              <a:cs typeface="+mn-cs"/>
-            </a:endParaRPr>
-          </a:p>
-          <a:p>
-            <a:r>
-              <a:rPr lang="en-US" altLang="zh-CN" sz="1200" kern="1200" dirty="0" smtClean="0">
-                <a:solidFill>
-                  <a:schemeClr val="tx1"/>
-                </a:solidFill>
-                <a:latin typeface="+mn-lt"/>
-                <a:ea typeface="+mn-ea"/>
-                <a:cs typeface="+mn-cs"/>
-              </a:rPr>
-              <a:t>CMD cd /app &amp;&amp; </a:t>
-            </a:r>
-            <a:r>
-              <a:rPr lang="en-US" altLang="zh-CN" sz="1200" kern="1200" dirty="0" err="1" smtClean="0">
-                <a:solidFill>
-                  <a:schemeClr val="tx1"/>
-                </a:solidFill>
-                <a:latin typeface="+mn-lt"/>
-                <a:ea typeface="+mn-ea"/>
-                <a:cs typeface="+mn-cs"/>
-              </a:rPr>
-              <a:t>nodejs</a:t>
-            </a:r>
-            <a:r>
-              <a:rPr lang="en-US" altLang="zh-CN" sz="1200" kern="1200" dirty="0" smtClean="0">
-                <a:solidFill>
-                  <a:schemeClr val="tx1"/>
-                </a:solidFill>
-                <a:latin typeface="+mn-lt"/>
-                <a:ea typeface="+mn-ea"/>
-                <a:cs typeface="+mn-cs"/>
-              </a:rPr>
-              <a:t> </a:t>
-            </a:r>
-            <a:r>
-              <a:rPr lang="en-US" altLang="zh-CN" sz="1200" kern="1200" dirty="0" err="1" smtClean="0">
-                <a:solidFill>
-                  <a:schemeClr val="tx1"/>
-                </a:solidFill>
-                <a:latin typeface="+mn-lt"/>
-                <a:ea typeface="+mn-ea"/>
-                <a:cs typeface="+mn-cs"/>
-              </a:rPr>
-              <a:t>server.js</a:t>
-            </a:r>
-            <a:endParaRPr kumimoji="1" lang="zh-CN" altLang="en-US" dirty="0"/>
-          </a:p>
         </p:txBody>
       </p:sp>
       <p:sp>
@@ -5720,7 +5475,7 @@
           <a:effectLst/>
           <a:extLst>
             <a:ext uri="{91240B29-F687-4f45-9708-019B960494DF}">
-              <a14:hiddenLine xmlns:a14="http://schemas.microsoft.com/office/drawing/2010/main" xmlns="" w="9525">
+              <a14:hiddenLine xmlns="" xmlns:a14="http://schemas.microsoft.com/office/drawing/2010/main" w="9525">
                 <a:solidFill>
                   <a:srgbClr val="000000"/>
                 </a:solidFill>
@@ -5913,7 +5668,7 @@
             <a:fld id="{08B9EBBA-996F-894A-B54A-D6246ED52CEA}" type="datetimeFigureOut">
               <a:rPr lang="en-US" dirty="0"/>
               <a:pPr/>
-              <a:t>5/21/19</a:t>
+              <a:t>5/30/19</a:t>
             </a:fld>
             <a:endParaRPr lang="en-US" dirty="0"/>
           </a:p>
@@ -6228,7 +5983,7 @@
             <a:fld id="{18C79C5D-2A6F-F04D-97DA-BEF2467B64E4}" type="datetimeFigureOut">
               <a:rPr lang="en-US" dirty="0"/>
               <a:pPr/>
-              <a:t>5/21/19</a:t>
+              <a:t>5/30/19</a:t>
             </a:fld>
             <a:endParaRPr lang="en-US" dirty="0"/>
           </a:p>
@@ -6713,7 +6468,7 @@
             <a:fld id="{8DFA1846-DA80-1C48-A609-854EA85C59AD}" type="datetimeFigureOut">
               <a:rPr lang="en-US" dirty="0"/>
               <a:pPr/>
-              <a:t>5/21/19</a:t>
+              <a:t>5/30/19</a:t>
             </a:fld>
             <a:endParaRPr lang="en-US" dirty="0"/>
           </a:p>
@@ -7079,7 +6834,7 @@
             <a:fld id="{FBF54567-0DE4-3F47-BF90-CB84690072F9}" type="datetimeFigureOut">
               <a:rPr lang="en-US" dirty="0"/>
               <a:pPr/>
-              <a:t>5/21/19</a:t>
+              <a:t>5/30/19</a:t>
             </a:fld>
             <a:endParaRPr lang="en-US" dirty="0"/>
           </a:p>
@@ -7230,7 +6985,7 @@
           <a:ln/>
           <a:extLst>
             <a:ext uri="{91240B29-F687-4f45-9708-019B960494DF}">
-              <a14:hiddenLine xmlns:a14="http://schemas.microsoft.com/office/drawing/2010/main" xmlns="" w="9525">
+              <a14:hiddenLine xmlns="" xmlns:a14="http://schemas.microsoft.com/office/drawing/2010/main" w="9525">
                 <a:solidFill>
                   <a:srgbClr val="000000"/>
                 </a:solidFill>
@@ -7349,7 +7104,7 @@
             <a:fld id="{C6C52C72-DE31-F449-A4ED-4C594FD91407}" type="datetimeFigureOut">
               <a:rPr lang="en-US" dirty="0"/>
               <a:pPr/>
-              <a:t>5/21/19</a:t>
+              <a:t>5/30/19</a:t>
             </a:fld>
             <a:endParaRPr lang="en-US" dirty="0"/>
           </a:p>
@@ -7502,7 +7257,7 @@
           <a:ln/>
           <a:extLst>
             <a:ext uri="{91240B29-F687-4f45-9708-019B960494DF}">
-              <a14:hiddenLine xmlns:a14="http://schemas.microsoft.com/office/drawing/2010/main" xmlns="" w="9525">
+              <a14:hiddenLine xmlns="" xmlns:a14="http://schemas.microsoft.com/office/drawing/2010/main" w="9525">
                 <a:solidFill>
                   <a:srgbClr val="000000"/>
                 </a:solidFill>
@@ -7631,7 +7386,7 @@
             <a:fld id="{ED62726E-379B-B349-9EED-81ED093FA806}" type="datetimeFigureOut">
               <a:rPr lang="en-US" dirty="0"/>
               <a:pPr/>
-              <a:t>5/21/19</a:t>
+              <a:t>5/30/19</a:t>
             </a:fld>
             <a:endParaRPr lang="en-US" dirty="0"/>
           </a:p>
@@ -7782,7 +7537,7 @@
           <a:ln/>
           <a:extLst>
             <a:ext uri="{91240B29-F687-4f45-9708-019B960494DF}">
-              <a14:hiddenLine xmlns:a14="http://schemas.microsoft.com/office/drawing/2010/main" xmlns="" w="9525">
+              <a14:hiddenLine xmlns="" xmlns:a14="http://schemas.microsoft.com/office/drawing/2010/main" w="9525">
                 <a:solidFill>
                   <a:srgbClr val="000000"/>
                 </a:solidFill>
@@ -7911,7 +7666,7 @@
             <a:fld id="{9B3A1323-8D79-1946-B0D7-40001CF92E9D}" type="datetimeFigureOut">
               <a:rPr lang="en-US" dirty="0"/>
               <a:pPr/>
-              <a:t>5/21/19</a:t>
+              <a:t>5/30/19</a:t>
             </a:fld>
             <a:endParaRPr lang="en-US" dirty="0"/>
           </a:p>
@@ -8251,7 +8006,7 @@
             <a:fld id="{8DFA1846-DA80-1C48-A609-854EA85C59AD}" type="datetimeFigureOut">
               <a:rPr lang="en-US" dirty="0"/>
               <a:pPr/>
-              <a:t>5/21/19</a:t>
+              <a:t>5/30/19</a:t>
             </a:fld>
             <a:endParaRPr lang="en-US" dirty="0"/>
           </a:p>
@@ -8402,7 +8157,7 @@
           <a:ln/>
           <a:extLst>
             <a:ext uri="{91240B29-F687-4f45-9708-019B960494DF}">
-              <a14:hiddenLine xmlns:a14="http://schemas.microsoft.com/office/drawing/2010/main" xmlns="" w="9525">
+              <a14:hiddenLine xmlns="" xmlns:a14="http://schemas.microsoft.com/office/drawing/2010/main" w="9525">
                 <a:solidFill>
                   <a:srgbClr val="000000"/>
                 </a:solidFill>
@@ -8587,7 +8342,7 @@
             <a:fld id="{57302355-E14B-8545-A8F8-0FE83CC9D524}" type="datetimeFigureOut">
               <a:rPr lang="en-US" dirty="0"/>
               <a:pPr/>
-              <a:t>5/21/19</a:t>
+              <a:t>5/30/19</a:t>
             </a:fld>
             <a:endParaRPr lang="en-US" dirty="0"/>
           </a:p>
@@ -8738,7 +8493,7 @@
           <a:ln/>
           <a:extLst>
             <a:ext uri="{91240B29-F687-4f45-9708-019B960494DF}">
-              <a14:hiddenLine xmlns:a14="http://schemas.microsoft.com/office/drawing/2010/main" xmlns="" w="9525">
+              <a14:hiddenLine xmlns="" xmlns:a14="http://schemas.microsoft.com/office/drawing/2010/main" w="9525">
                 <a:solidFill>
                   <a:srgbClr val="000000"/>
                 </a:solidFill>
@@ -9061,7 +8816,7 @@
             <a:fld id="{02640F58-564D-2B4F-AE67-E407BA4FCF45}" type="datetimeFigureOut">
               <a:rPr lang="en-US" dirty="0"/>
               <a:pPr/>
-              <a:t>5/21/19</a:t>
+              <a:t>5/30/19</a:t>
             </a:fld>
             <a:endParaRPr lang="en-US" dirty="0"/>
           </a:p>
@@ -9212,7 +8967,7 @@
           <a:ln/>
           <a:extLst>
             <a:ext uri="{91240B29-F687-4f45-9708-019B960494DF}">
-              <a14:hiddenLine xmlns:a14="http://schemas.microsoft.com/office/drawing/2010/main" xmlns="" w="9525">
+              <a14:hiddenLine xmlns="" xmlns:a14="http://schemas.microsoft.com/office/drawing/2010/main" w="9525">
                 <a:solidFill>
                   <a:srgbClr val="000000"/>
                 </a:solidFill>
@@ -9279,7 +9034,7 @@
             <a:fld id="{F13A34C8-038E-2045-AF43-DF7DBB8E0E9E}" type="datetimeFigureOut">
               <a:rPr lang="en-US" dirty="0"/>
               <a:pPr/>
-              <a:t>5/21/19</a:t>
+              <a:t>5/30/19</a:t>
             </a:fld>
             <a:endParaRPr lang="en-US" dirty="0"/>
           </a:p>
@@ -9371,7 +9126,7 @@
             <a:fld id="{8818C68F-D26B-8F47-958C-23B49CF8A634}" type="datetimeFigureOut">
               <a:rPr lang="en-US" dirty="0"/>
               <a:pPr/>
-              <a:t>5/21/19</a:t>
+              <a:t>5/30/19</a:t>
             </a:fld>
             <a:endParaRPr lang="en-US" dirty="0"/>
           </a:p>
@@ -9635,7 +9390,7 @@
           <a:ln/>
           <a:extLst>
             <a:ext uri="{91240B29-F687-4f45-9708-019B960494DF}">
-              <a14:hiddenLine xmlns:a14="http://schemas.microsoft.com/office/drawing/2010/main" xmlns="" w="9525">
+              <a14:hiddenLine xmlns="" xmlns:a14="http://schemas.microsoft.com/office/drawing/2010/main" w="9525">
                 <a:solidFill>
                   <a:srgbClr val="000000"/>
                 </a:solidFill>
@@ -9835,7 +9590,7 @@
             <a:fld id="{D0DF5E60-9974-AC48-9591-99C2BB44B7CF}" type="datetimeFigureOut">
               <a:rPr lang="en-US" dirty="0"/>
               <a:pPr/>
-              <a:t>5/21/19</a:t>
+              <a:t>5/30/19</a:t>
             </a:fld>
             <a:endParaRPr lang="en-US" dirty="0"/>
           </a:p>
@@ -10145,7 +9900,7 @@
             <a:fld id="{18C79C5D-2A6F-F04D-97DA-BEF2467B64E4}" type="datetimeFigureOut">
               <a:rPr lang="en-US" dirty="0"/>
               <a:pPr/>
-              <a:t>5/21/19</a:t>
+              <a:t>5/30/19</a:t>
             </a:fld>
             <a:endParaRPr lang="en-US" dirty="0"/>
           </a:p>
@@ -10412,7 +10167,7 @@
             <a:fld id="{09B482E8-6E0E-1B4F-B1FD-C69DB9E858D9}" type="datetimeFigureOut">
               <a:rPr lang="en-US" dirty="0"/>
               <a:pPr/>
-              <a:t>5/21/19</a:t>
+              <a:t>5/30/19</a:t>
             </a:fld>
             <a:endParaRPr lang="en-US" dirty="0"/>
           </a:p>
